--- a/docs/images.pptx
+++ b/docs/images.pptx
@@ -5,7 +5,7 @@
     <p:sldMasterId id="2147483648" r:id="rId1"/>
   </p:sldMasterIdLst>
   <p:notesMasterIdLst>
-    <p:notesMasterId r:id="rId7"/>
+    <p:notesMasterId r:id="rId8"/>
   </p:notesMasterIdLst>
   <p:sldIdLst>
     <p:sldId id="257" r:id="rId2"/>
@@ -13,6 +13,7 @@
     <p:sldId id="259" r:id="rId4"/>
     <p:sldId id="260" r:id="rId5"/>
     <p:sldId id="261" r:id="rId6"/>
+    <p:sldId id="262" r:id="rId7"/>
   </p:sldIdLst>
   <p:sldSz cx="12192000" cy="6858000"/>
   <p:notesSz cx="6858000" cy="9144000"/>
@@ -201,7 +202,7 @@
           <a:p>
             <a:fld id="{E55D1B45-1C6B-DA4B-AE36-1EA1E4E2D5A6}" type="datetimeFigureOut">
               <a:rPr lang="en-US" smtClean="0"/>
-              <a:t>3/15/24</a:t>
+              <a:t>9/7/24</a:t>
             </a:fld>
             <a:endParaRPr lang="en-US"/>
           </a:p>
@@ -786,7 +787,7 @@
           <a:p>
             <a:fld id="{B069BB17-17AA-0D45-8690-908CA8595ED7}" type="datetimeFigureOut">
               <a:rPr lang="en-US" smtClean="0"/>
-              <a:t>3/15/24</a:t>
+              <a:t>9/7/24</a:t>
             </a:fld>
             <a:endParaRPr lang="en-US"/>
           </a:p>
@@ -986,7 +987,7 @@
           <a:p>
             <a:fld id="{B069BB17-17AA-0D45-8690-908CA8595ED7}" type="datetimeFigureOut">
               <a:rPr lang="en-US" smtClean="0"/>
-              <a:t>3/15/24</a:t>
+              <a:t>9/7/24</a:t>
             </a:fld>
             <a:endParaRPr lang="en-US"/>
           </a:p>
@@ -1196,7 +1197,7 @@
           <a:p>
             <a:fld id="{B069BB17-17AA-0D45-8690-908CA8595ED7}" type="datetimeFigureOut">
               <a:rPr lang="en-US" smtClean="0"/>
-              <a:t>3/15/24</a:t>
+              <a:t>9/7/24</a:t>
             </a:fld>
             <a:endParaRPr lang="en-US"/>
           </a:p>
@@ -1396,7 +1397,7 @@
           <a:p>
             <a:fld id="{B069BB17-17AA-0D45-8690-908CA8595ED7}" type="datetimeFigureOut">
               <a:rPr lang="en-US" smtClean="0"/>
-              <a:t>3/15/24</a:t>
+              <a:t>9/7/24</a:t>
             </a:fld>
             <a:endParaRPr lang="en-US"/>
           </a:p>
@@ -1672,7 +1673,7 @@
           <a:p>
             <a:fld id="{B069BB17-17AA-0D45-8690-908CA8595ED7}" type="datetimeFigureOut">
               <a:rPr lang="en-US" smtClean="0"/>
-              <a:t>3/15/24</a:t>
+              <a:t>9/7/24</a:t>
             </a:fld>
             <a:endParaRPr lang="en-US"/>
           </a:p>
@@ -1940,7 +1941,7 @@
           <a:p>
             <a:fld id="{B069BB17-17AA-0D45-8690-908CA8595ED7}" type="datetimeFigureOut">
               <a:rPr lang="en-US" smtClean="0"/>
-              <a:t>3/15/24</a:t>
+              <a:t>9/7/24</a:t>
             </a:fld>
             <a:endParaRPr lang="en-US"/>
           </a:p>
@@ -2355,7 +2356,7 @@
           <a:p>
             <a:fld id="{B069BB17-17AA-0D45-8690-908CA8595ED7}" type="datetimeFigureOut">
               <a:rPr lang="en-US" smtClean="0"/>
-              <a:t>3/15/24</a:t>
+              <a:t>9/7/24</a:t>
             </a:fld>
             <a:endParaRPr lang="en-US"/>
           </a:p>
@@ -2497,7 +2498,7 @@
           <a:p>
             <a:fld id="{B069BB17-17AA-0D45-8690-908CA8595ED7}" type="datetimeFigureOut">
               <a:rPr lang="en-US" smtClean="0"/>
-              <a:t>3/15/24</a:t>
+              <a:t>9/7/24</a:t>
             </a:fld>
             <a:endParaRPr lang="en-US"/>
           </a:p>
@@ -2610,7 +2611,7 @@
           <a:p>
             <a:fld id="{B069BB17-17AA-0D45-8690-908CA8595ED7}" type="datetimeFigureOut">
               <a:rPr lang="en-US" smtClean="0"/>
-              <a:t>3/15/24</a:t>
+              <a:t>9/7/24</a:t>
             </a:fld>
             <a:endParaRPr lang="en-US"/>
           </a:p>
@@ -2923,7 +2924,7 @@
           <a:p>
             <a:fld id="{B069BB17-17AA-0D45-8690-908CA8595ED7}" type="datetimeFigureOut">
               <a:rPr lang="en-US" smtClean="0"/>
-              <a:t>3/15/24</a:t>
+              <a:t>9/7/24</a:t>
             </a:fld>
             <a:endParaRPr lang="en-US"/>
           </a:p>
@@ -3212,7 +3213,7 @@
           <a:p>
             <a:fld id="{B069BB17-17AA-0D45-8690-908CA8595ED7}" type="datetimeFigureOut">
               <a:rPr lang="en-US" smtClean="0"/>
-              <a:t>3/15/24</a:t>
+              <a:t>9/7/24</a:t>
             </a:fld>
             <a:endParaRPr lang="en-US"/>
           </a:p>
@@ -3455,7 +3456,7 @@
           <a:p>
             <a:fld id="{B069BB17-17AA-0D45-8690-908CA8595ED7}" type="datetimeFigureOut">
               <a:rPr lang="en-US" smtClean="0"/>
-              <a:t>3/15/24</a:t>
+              <a:t>9/7/24</a:t>
             </a:fld>
             <a:endParaRPr lang="en-US"/>
           </a:p>
@@ -11989,6 +11990,1134 @@
     <p:extLst>
       <p:ext uri="{BB962C8B-B14F-4D97-AF65-F5344CB8AC3E}">
         <p14:creationId xmlns:p14="http://schemas.microsoft.com/office/powerpoint/2010/main" val="364005367"/>
+      </p:ext>
+    </p:extLst>
+  </p:cSld>
+  <p:clrMapOvr>
+    <a:masterClrMapping/>
+  </p:clrMapOvr>
+</p:sld>
+</file>
+
+<file path=ppt/slides/slide6.xml><?xml version="1.0" encoding="utf-8"?>
+<p:sld xmlns:a="http://schemas.openxmlformats.org/drawingml/2006/main" xmlns:r="http://schemas.openxmlformats.org/officeDocument/2006/relationships" xmlns:p="http://schemas.openxmlformats.org/presentationml/2006/main">
+  <p:cSld>
+    <p:spTree>
+      <p:nvGrpSpPr>
+        <p:cNvPr id="1" name=""/>
+        <p:cNvGrpSpPr/>
+        <p:nvPr/>
+      </p:nvGrpSpPr>
+      <p:grpSpPr>
+        <a:xfrm>
+          <a:off x="0" y="0"/>
+          <a:ext cx="0" cy="0"/>
+          <a:chOff x="0" y="0"/>
+          <a:chExt cx="0" cy="0"/>
+        </a:xfrm>
+      </p:grpSpPr>
+      <p:sp>
+        <p:nvSpPr>
+          <p:cNvPr id="3" name="TextBox 2">
+            <a:extLst>
+              <a:ext uri="{FF2B5EF4-FFF2-40B4-BE49-F238E27FC236}">
+                <a16:creationId xmlns:a16="http://schemas.microsoft.com/office/drawing/2014/main" id="{0C209811-410D-BD9B-E832-41B4FC2B7E9D}"/>
+              </a:ext>
+            </a:extLst>
+          </p:cNvPr>
+          <p:cNvSpPr txBox="1"/>
+          <p:nvPr/>
+        </p:nvSpPr>
+        <p:spPr>
+          <a:xfrm>
+            <a:off x="561142" y="1988926"/>
+            <a:ext cx="492596" cy="307777"/>
+          </a:xfrm>
+          <a:prstGeom prst="rect">
+            <a:avLst/>
+          </a:prstGeom>
+          <a:noFill/>
+          <a:ln>
+            <a:solidFill>
+              <a:schemeClr val="tx2"/>
+            </a:solidFill>
+          </a:ln>
+        </p:spPr>
+        <p:txBody>
+          <a:bodyPr wrap="square" rtlCol="0">
+            <a:spAutoFit/>
+          </a:bodyPr>
+          <a:lstStyle/>
+          <a:p>
+            <a:pPr algn="ctr"/>
+            <a:r>
+              <a:rPr lang="en-US" sz="1400" dirty="0"/>
+              <a:t>T</a:t>
+            </a:r>
+            <a:r>
+              <a:rPr lang="en-US" sz="1400" baseline="-25000" dirty="0"/>
+              <a:t>i+1</a:t>
+            </a:r>
+          </a:p>
+        </p:txBody>
+      </p:sp>
+      <p:sp>
+        <p:nvSpPr>
+          <p:cNvPr id="13" name="TextBox 12">
+            <a:extLst>
+              <a:ext uri="{FF2B5EF4-FFF2-40B4-BE49-F238E27FC236}">
+                <a16:creationId xmlns:a16="http://schemas.microsoft.com/office/drawing/2014/main" id="{EAE0F877-12B4-3948-3CA6-9E9F9FDE44CE}"/>
+              </a:ext>
+            </a:extLst>
+          </p:cNvPr>
+          <p:cNvSpPr txBox="1"/>
+          <p:nvPr/>
+        </p:nvSpPr>
+        <p:spPr>
+          <a:xfrm>
+            <a:off x="1053738" y="1988926"/>
+            <a:ext cx="492596" cy="307777"/>
+          </a:xfrm>
+          <a:prstGeom prst="rect">
+            <a:avLst/>
+          </a:prstGeom>
+          <a:noFill/>
+          <a:ln>
+            <a:solidFill>
+              <a:schemeClr val="tx2"/>
+            </a:solidFill>
+          </a:ln>
+        </p:spPr>
+        <p:txBody>
+          <a:bodyPr wrap="square" rtlCol="0">
+            <a:spAutoFit/>
+          </a:bodyPr>
+          <a:lstStyle/>
+          <a:p>
+            <a:pPr algn="ctr"/>
+            <a:r>
+              <a:rPr lang="en-US" sz="1400" dirty="0"/>
+              <a:t>T</a:t>
+            </a:r>
+            <a:r>
+              <a:rPr lang="en-US" sz="1400" baseline="-25000" dirty="0"/>
+              <a:t>i+2</a:t>
+            </a:r>
+          </a:p>
+        </p:txBody>
+      </p:sp>
+      <p:sp>
+        <p:nvSpPr>
+          <p:cNvPr id="14" name="TextBox 13">
+            <a:extLst>
+              <a:ext uri="{FF2B5EF4-FFF2-40B4-BE49-F238E27FC236}">
+                <a16:creationId xmlns:a16="http://schemas.microsoft.com/office/drawing/2014/main" id="{3992C6A8-C09E-FCF0-9298-9511C75CA575}"/>
+              </a:ext>
+            </a:extLst>
+          </p:cNvPr>
+          <p:cNvSpPr txBox="1"/>
+          <p:nvPr/>
+        </p:nvSpPr>
+        <p:spPr>
+          <a:xfrm>
+            <a:off x="1546334" y="1988926"/>
+            <a:ext cx="492596" cy="307777"/>
+          </a:xfrm>
+          <a:prstGeom prst="rect">
+            <a:avLst/>
+          </a:prstGeom>
+          <a:noFill/>
+          <a:ln>
+            <a:solidFill>
+              <a:schemeClr val="tx2"/>
+            </a:solidFill>
+          </a:ln>
+        </p:spPr>
+        <p:txBody>
+          <a:bodyPr wrap="square" rtlCol="0">
+            <a:spAutoFit/>
+          </a:bodyPr>
+          <a:lstStyle/>
+          <a:p>
+            <a:pPr algn="ctr"/>
+            <a:r>
+              <a:rPr lang="en-US" sz="1400" dirty="0">
+                <a:solidFill>
+                  <a:srgbClr val="FF0000"/>
+                </a:solidFill>
+              </a:rPr>
+              <a:t>T</a:t>
+            </a:r>
+            <a:r>
+              <a:rPr lang="en-US" sz="1400" baseline="-25000" dirty="0">
+                <a:solidFill>
+                  <a:srgbClr val="FF0000"/>
+                </a:solidFill>
+              </a:rPr>
+              <a:t>i+3</a:t>
+            </a:r>
+          </a:p>
+        </p:txBody>
+      </p:sp>
+      <p:sp>
+        <p:nvSpPr>
+          <p:cNvPr id="15" name="TextBox 14">
+            <a:extLst>
+              <a:ext uri="{FF2B5EF4-FFF2-40B4-BE49-F238E27FC236}">
+                <a16:creationId xmlns:a16="http://schemas.microsoft.com/office/drawing/2014/main" id="{63983BCA-64B2-00A5-E4C7-9EA051D05496}"/>
+              </a:ext>
+            </a:extLst>
+          </p:cNvPr>
+          <p:cNvSpPr txBox="1"/>
+          <p:nvPr/>
+        </p:nvSpPr>
+        <p:spPr>
+          <a:xfrm>
+            <a:off x="2038930" y="1988926"/>
+            <a:ext cx="492596" cy="307777"/>
+          </a:xfrm>
+          <a:prstGeom prst="rect">
+            <a:avLst/>
+          </a:prstGeom>
+          <a:noFill/>
+          <a:ln>
+            <a:solidFill>
+              <a:schemeClr val="tx2"/>
+            </a:solidFill>
+          </a:ln>
+        </p:spPr>
+        <p:txBody>
+          <a:bodyPr wrap="square" rtlCol="0">
+            <a:spAutoFit/>
+          </a:bodyPr>
+          <a:lstStyle/>
+          <a:p>
+            <a:pPr algn="ctr"/>
+            <a:r>
+              <a:rPr lang="en-US" sz="1400" dirty="0"/>
+              <a:t>T</a:t>
+            </a:r>
+            <a:r>
+              <a:rPr lang="en-US" sz="1400" baseline="-25000" dirty="0"/>
+              <a:t>i+4</a:t>
+            </a:r>
+          </a:p>
+        </p:txBody>
+      </p:sp>
+      <p:sp>
+        <p:nvSpPr>
+          <p:cNvPr id="16" name="TextBox 15">
+            <a:extLst>
+              <a:ext uri="{FF2B5EF4-FFF2-40B4-BE49-F238E27FC236}">
+                <a16:creationId xmlns:a16="http://schemas.microsoft.com/office/drawing/2014/main" id="{77EB66E6-6446-5C47-9155-99B785EE8629}"/>
+              </a:ext>
+            </a:extLst>
+          </p:cNvPr>
+          <p:cNvSpPr txBox="1"/>
+          <p:nvPr/>
+        </p:nvSpPr>
+        <p:spPr>
+          <a:xfrm>
+            <a:off x="2531526" y="1988926"/>
+            <a:ext cx="492596" cy="307777"/>
+          </a:xfrm>
+          <a:prstGeom prst="rect">
+            <a:avLst/>
+          </a:prstGeom>
+          <a:noFill/>
+          <a:ln>
+            <a:solidFill>
+              <a:schemeClr val="tx2"/>
+            </a:solidFill>
+          </a:ln>
+        </p:spPr>
+        <p:txBody>
+          <a:bodyPr wrap="square" rtlCol="0">
+            <a:spAutoFit/>
+          </a:bodyPr>
+          <a:lstStyle/>
+          <a:p>
+            <a:pPr algn="ctr"/>
+            <a:r>
+              <a:rPr lang="en-US" sz="1400" dirty="0"/>
+              <a:t>T</a:t>
+            </a:r>
+            <a:r>
+              <a:rPr lang="en-US" sz="1400" baseline="-25000" dirty="0"/>
+              <a:t>i+5</a:t>
+            </a:r>
+          </a:p>
+        </p:txBody>
+      </p:sp>
+      <p:sp>
+        <p:nvSpPr>
+          <p:cNvPr id="17" name="TextBox 16">
+            <a:extLst>
+              <a:ext uri="{FF2B5EF4-FFF2-40B4-BE49-F238E27FC236}">
+                <a16:creationId xmlns:a16="http://schemas.microsoft.com/office/drawing/2014/main" id="{5B2C356B-A44D-8A48-14FE-B647D9AC67C0}"/>
+              </a:ext>
+            </a:extLst>
+          </p:cNvPr>
+          <p:cNvSpPr txBox="1"/>
+          <p:nvPr/>
+        </p:nvSpPr>
+        <p:spPr>
+          <a:xfrm>
+            <a:off x="3024122" y="1988926"/>
+            <a:ext cx="492596" cy="307777"/>
+          </a:xfrm>
+          <a:prstGeom prst="rect">
+            <a:avLst/>
+          </a:prstGeom>
+          <a:noFill/>
+          <a:ln>
+            <a:solidFill>
+              <a:schemeClr val="tx2"/>
+            </a:solidFill>
+          </a:ln>
+        </p:spPr>
+        <p:txBody>
+          <a:bodyPr wrap="square" rtlCol="0">
+            <a:spAutoFit/>
+          </a:bodyPr>
+          <a:lstStyle/>
+          <a:p>
+            <a:pPr algn="ctr"/>
+            <a:r>
+              <a:rPr lang="en-US" sz="1400" dirty="0"/>
+              <a:t>T</a:t>
+            </a:r>
+            <a:r>
+              <a:rPr lang="en-US" sz="1400" baseline="-25000" dirty="0"/>
+              <a:t>i+6</a:t>
+            </a:r>
+          </a:p>
+        </p:txBody>
+      </p:sp>
+      <p:sp>
+        <p:nvSpPr>
+          <p:cNvPr id="18" name="TextBox 17">
+            <a:extLst>
+              <a:ext uri="{FF2B5EF4-FFF2-40B4-BE49-F238E27FC236}">
+                <a16:creationId xmlns:a16="http://schemas.microsoft.com/office/drawing/2014/main" id="{83DBEBD8-4444-78E4-848F-08C29687672A}"/>
+              </a:ext>
+            </a:extLst>
+          </p:cNvPr>
+          <p:cNvSpPr txBox="1"/>
+          <p:nvPr/>
+        </p:nvSpPr>
+        <p:spPr>
+          <a:xfrm>
+            <a:off x="3516718" y="1988926"/>
+            <a:ext cx="492596" cy="307777"/>
+          </a:xfrm>
+          <a:prstGeom prst="rect">
+            <a:avLst/>
+          </a:prstGeom>
+          <a:noFill/>
+          <a:ln>
+            <a:solidFill>
+              <a:schemeClr val="tx2"/>
+            </a:solidFill>
+          </a:ln>
+        </p:spPr>
+        <p:txBody>
+          <a:bodyPr wrap="square" rtlCol="0">
+            <a:spAutoFit/>
+          </a:bodyPr>
+          <a:lstStyle/>
+          <a:p>
+            <a:pPr algn="ctr"/>
+            <a:r>
+              <a:rPr lang="en-US" sz="1400" dirty="0">
+                <a:solidFill>
+                  <a:srgbClr val="FF0000"/>
+                </a:solidFill>
+              </a:rPr>
+              <a:t>T</a:t>
+            </a:r>
+            <a:r>
+              <a:rPr lang="en-US" sz="1400" baseline="-25000" dirty="0">
+                <a:solidFill>
+                  <a:srgbClr val="FF0000"/>
+                </a:solidFill>
+              </a:rPr>
+              <a:t>i+7</a:t>
+            </a:r>
+          </a:p>
+        </p:txBody>
+      </p:sp>
+      <p:sp>
+        <p:nvSpPr>
+          <p:cNvPr id="19" name="TextBox 18">
+            <a:extLst>
+              <a:ext uri="{FF2B5EF4-FFF2-40B4-BE49-F238E27FC236}">
+                <a16:creationId xmlns:a16="http://schemas.microsoft.com/office/drawing/2014/main" id="{E88ED39F-0085-ABFE-A30B-C4B0FAF39011}"/>
+              </a:ext>
+            </a:extLst>
+          </p:cNvPr>
+          <p:cNvSpPr txBox="1"/>
+          <p:nvPr/>
+        </p:nvSpPr>
+        <p:spPr>
+          <a:xfrm>
+            <a:off x="4009314" y="1988926"/>
+            <a:ext cx="492596" cy="307777"/>
+          </a:xfrm>
+          <a:prstGeom prst="rect">
+            <a:avLst/>
+          </a:prstGeom>
+          <a:noFill/>
+          <a:ln>
+            <a:solidFill>
+              <a:schemeClr val="tx2"/>
+            </a:solidFill>
+          </a:ln>
+        </p:spPr>
+        <p:txBody>
+          <a:bodyPr wrap="square" rtlCol="0">
+            <a:spAutoFit/>
+          </a:bodyPr>
+          <a:lstStyle/>
+          <a:p>
+            <a:pPr algn="ctr"/>
+            <a:r>
+              <a:rPr lang="en-US" sz="1400" dirty="0"/>
+              <a:t>T</a:t>
+            </a:r>
+            <a:r>
+              <a:rPr lang="en-US" sz="1400" baseline="-25000" dirty="0"/>
+              <a:t>i+8</a:t>
+            </a:r>
+          </a:p>
+        </p:txBody>
+      </p:sp>
+      <p:sp>
+        <p:nvSpPr>
+          <p:cNvPr id="20" name="TextBox 19">
+            <a:extLst>
+              <a:ext uri="{FF2B5EF4-FFF2-40B4-BE49-F238E27FC236}">
+                <a16:creationId xmlns:a16="http://schemas.microsoft.com/office/drawing/2014/main" id="{88AEA3C3-0FFD-9368-A0EF-BF3E4CFBF643}"/>
+              </a:ext>
+            </a:extLst>
+          </p:cNvPr>
+          <p:cNvSpPr txBox="1"/>
+          <p:nvPr/>
+        </p:nvSpPr>
+        <p:spPr>
+          <a:xfrm>
+            <a:off x="4501910" y="1988926"/>
+            <a:ext cx="492596" cy="307777"/>
+          </a:xfrm>
+          <a:prstGeom prst="rect">
+            <a:avLst/>
+          </a:prstGeom>
+          <a:noFill/>
+          <a:ln>
+            <a:solidFill>
+              <a:schemeClr val="tx2"/>
+            </a:solidFill>
+          </a:ln>
+        </p:spPr>
+        <p:txBody>
+          <a:bodyPr wrap="square" rtlCol="0">
+            <a:spAutoFit/>
+          </a:bodyPr>
+          <a:lstStyle/>
+          <a:p>
+            <a:pPr algn="ctr"/>
+            <a:r>
+              <a:rPr lang="en-US" sz="1400" dirty="0">
+                <a:solidFill>
+                  <a:srgbClr val="FF0000"/>
+                </a:solidFill>
+              </a:rPr>
+              <a:t>T</a:t>
+            </a:r>
+            <a:r>
+              <a:rPr lang="en-US" sz="1400" baseline="-25000" dirty="0">
+                <a:solidFill>
+                  <a:srgbClr val="FF0000"/>
+                </a:solidFill>
+              </a:rPr>
+              <a:t>i+9</a:t>
+            </a:r>
+          </a:p>
+        </p:txBody>
+      </p:sp>
+      <p:sp>
+        <p:nvSpPr>
+          <p:cNvPr id="21" name="TextBox 20">
+            <a:extLst>
+              <a:ext uri="{FF2B5EF4-FFF2-40B4-BE49-F238E27FC236}">
+                <a16:creationId xmlns:a16="http://schemas.microsoft.com/office/drawing/2014/main" id="{9C428649-7200-B7A6-0837-AE14A5B01ED4}"/>
+              </a:ext>
+            </a:extLst>
+          </p:cNvPr>
+          <p:cNvSpPr txBox="1"/>
+          <p:nvPr/>
+        </p:nvSpPr>
+        <p:spPr>
+          <a:xfrm>
+            <a:off x="4994506" y="1988926"/>
+            <a:ext cx="492596" cy="307777"/>
+          </a:xfrm>
+          <a:prstGeom prst="rect">
+            <a:avLst/>
+          </a:prstGeom>
+          <a:noFill/>
+          <a:ln>
+            <a:solidFill>
+              <a:schemeClr val="tx2"/>
+            </a:solidFill>
+          </a:ln>
+        </p:spPr>
+        <p:txBody>
+          <a:bodyPr wrap="square" rtlCol="0">
+            <a:spAutoFit/>
+          </a:bodyPr>
+          <a:lstStyle/>
+          <a:p>
+            <a:pPr algn="ctr"/>
+            <a:r>
+              <a:rPr lang="en-US" sz="1400" dirty="0"/>
+              <a:t>T</a:t>
+            </a:r>
+            <a:r>
+              <a:rPr lang="en-US" sz="1400" baseline="-25000" dirty="0"/>
+              <a:t>i+10</a:t>
+            </a:r>
+          </a:p>
+        </p:txBody>
+      </p:sp>
+      <p:sp>
+        <p:nvSpPr>
+          <p:cNvPr id="22" name="TextBox 21">
+            <a:extLst>
+              <a:ext uri="{FF2B5EF4-FFF2-40B4-BE49-F238E27FC236}">
+                <a16:creationId xmlns:a16="http://schemas.microsoft.com/office/drawing/2014/main" id="{D48FEF74-F4F9-4BA7-BF0E-276B4577D5D2}"/>
+              </a:ext>
+            </a:extLst>
+          </p:cNvPr>
+          <p:cNvSpPr txBox="1"/>
+          <p:nvPr/>
+        </p:nvSpPr>
+        <p:spPr>
+          <a:xfrm>
+            <a:off x="5487102" y="1988926"/>
+            <a:ext cx="492596" cy="307777"/>
+          </a:xfrm>
+          <a:prstGeom prst="rect">
+            <a:avLst/>
+          </a:prstGeom>
+          <a:noFill/>
+          <a:ln>
+            <a:solidFill>
+              <a:schemeClr val="tx2"/>
+            </a:solidFill>
+          </a:ln>
+        </p:spPr>
+        <p:txBody>
+          <a:bodyPr wrap="square" rtlCol="0">
+            <a:spAutoFit/>
+          </a:bodyPr>
+          <a:lstStyle/>
+          <a:p>
+            <a:pPr algn="ctr"/>
+            <a:r>
+              <a:rPr lang="en-US" sz="1400" dirty="0"/>
+              <a:t>T</a:t>
+            </a:r>
+            <a:r>
+              <a:rPr lang="en-US" sz="1400" baseline="-25000" dirty="0"/>
+              <a:t>i+11</a:t>
+            </a:r>
+          </a:p>
+        </p:txBody>
+      </p:sp>
+      <p:sp>
+        <p:nvSpPr>
+          <p:cNvPr id="23" name="TextBox 22">
+            <a:extLst>
+              <a:ext uri="{FF2B5EF4-FFF2-40B4-BE49-F238E27FC236}">
+                <a16:creationId xmlns:a16="http://schemas.microsoft.com/office/drawing/2014/main" id="{8529C493-C4F7-85BE-60C9-6E2556FE8456}"/>
+              </a:ext>
+            </a:extLst>
+          </p:cNvPr>
+          <p:cNvSpPr txBox="1"/>
+          <p:nvPr/>
+        </p:nvSpPr>
+        <p:spPr>
+          <a:xfrm>
+            <a:off x="5979698" y="1988926"/>
+            <a:ext cx="492596" cy="307777"/>
+          </a:xfrm>
+          <a:prstGeom prst="rect">
+            <a:avLst/>
+          </a:prstGeom>
+          <a:noFill/>
+          <a:ln>
+            <a:solidFill>
+              <a:schemeClr val="tx2"/>
+            </a:solidFill>
+          </a:ln>
+        </p:spPr>
+        <p:txBody>
+          <a:bodyPr wrap="square" rtlCol="0">
+            <a:spAutoFit/>
+          </a:bodyPr>
+          <a:lstStyle/>
+          <a:p>
+            <a:pPr algn="ctr"/>
+            <a:r>
+              <a:rPr lang="en-US" sz="1400" dirty="0"/>
+              <a:t>T</a:t>
+            </a:r>
+            <a:r>
+              <a:rPr lang="en-US" sz="1400" baseline="-25000" dirty="0"/>
+              <a:t>i+12</a:t>
+            </a:r>
+          </a:p>
+        </p:txBody>
+      </p:sp>
+      <p:sp>
+        <p:nvSpPr>
+          <p:cNvPr id="24" name="TextBox 23">
+            <a:extLst>
+              <a:ext uri="{FF2B5EF4-FFF2-40B4-BE49-F238E27FC236}">
+                <a16:creationId xmlns:a16="http://schemas.microsoft.com/office/drawing/2014/main" id="{C2126C4E-187F-5038-B3B4-044832FF1880}"/>
+              </a:ext>
+            </a:extLst>
+          </p:cNvPr>
+          <p:cNvSpPr txBox="1"/>
+          <p:nvPr/>
+        </p:nvSpPr>
+        <p:spPr>
+          <a:xfrm>
+            <a:off x="6472294" y="1988926"/>
+            <a:ext cx="492596" cy="307777"/>
+          </a:xfrm>
+          <a:prstGeom prst="rect">
+            <a:avLst/>
+          </a:prstGeom>
+          <a:noFill/>
+          <a:ln>
+            <a:solidFill>
+              <a:schemeClr val="tx2"/>
+            </a:solidFill>
+          </a:ln>
+        </p:spPr>
+        <p:txBody>
+          <a:bodyPr wrap="square" rtlCol="0">
+            <a:spAutoFit/>
+          </a:bodyPr>
+          <a:lstStyle/>
+          <a:p>
+            <a:pPr algn="ctr"/>
+            <a:r>
+              <a:rPr lang="en-US" sz="1400" dirty="0"/>
+              <a:t>…</a:t>
+            </a:r>
+            <a:endParaRPr lang="en-US" sz="1400" baseline="-25000" dirty="0"/>
+          </a:p>
+        </p:txBody>
+      </p:sp>
+      <p:sp>
+        <p:nvSpPr>
+          <p:cNvPr id="25" name="TextBox 24">
+            <a:extLst>
+              <a:ext uri="{FF2B5EF4-FFF2-40B4-BE49-F238E27FC236}">
+                <a16:creationId xmlns:a16="http://schemas.microsoft.com/office/drawing/2014/main" id="{1593D5C3-A884-0648-168A-7FCA475F2057}"/>
+              </a:ext>
+            </a:extLst>
+          </p:cNvPr>
+          <p:cNvSpPr txBox="1"/>
+          <p:nvPr/>
+        </p:nvSpPr>
+        <p:spPr>
+          <a:xfrm>
+            <a:off x="68546" y="1988925"/>
+            <a:ext cx="492596" cy="307777"/>
+          </a:xfrm>
+          <a:prstGeom prst="rect">
+            <a:avLst/>
+          </a:prstGeom>
+          <a:noFill/>
+          <a:ln>
+            <a:solidFill>
+              <a:schemeClr val="tx2"/>
+            </a:solidFill>
+          </a:ln>
+        </p:spPr>
+        <p:txBody>
+          <a:bodyPr wrap="square" rtlCol="0">
+            <a:spAutoFit/>
+          </a:bodyPr>
+          <a:lstStyle/>
+          <a:p>
+            <a:pPr algn="ctr"/>
+            <a:r>
+              <a:rPr lang="en-US" sz="1400" dirty="0"/>
+              <a:t>…</a:t>
+            </a:r>
+            <a:endParaRPr lang="en-US" sz="1400" baseline="-25000" dirty="0"/>
+          </a:p>
+        </p:txBody>
+      </p:sp>
+      <p:sp>
+        <p:nvSpPr>
+          <p:cNvPr id="26" name="TextBox 25">
+            <a:extLst>
+              <a:ext uri="{FF2B5EF4-FFF2-40B4-BE49-F238E27FC236}">
+                <a16:creationId xmlns:a16="http://schemas.microsoft.com/office/drawing/2014/main" id="{65EB86F3-F1C3-D735-459A-64451148332B}"/>
+              </a:ext>
+            </a:extLst>
+          </p:cNvPr>
+          <p:cNvSpPr txBox="1"/>
+          <p:nvPr/>
+        </p:nvSpPr>
+        <p:spPr>
+          <a:xfrm>
+            <a:off x="561142" y="2424354"/>
+            <a:ext cx="492596" cy="307777"/>
+          </a:xfrm>
+          <a:prstGeom prst="rect">
+            <a:avLst/>
+          </a:prstGeom>
+          <a:noFill/>
+          <a:ln>
+            <a:solidFill>
+              <a:schemeClr val="tx2"/>
+            </a:solidFill>
+          </a:ln>
+        </p:spPr>
+        <p:txBody>
+          <a:bodyPr wrap="square" rtlCol="0">
+            <a:spAutoFit/>
+          </a:bodyPr>
+          <a:lstStyle/>
+          <a:p>
+            <a:pPr algn="ctr"/>
+            <a:r>
+              <a:rPr lang="en-US" sz="1400" dirty="0"/>
+              <a:t>T</a:t>
+            </a:r>
+            <a:r>
+              <a:rPr lang="en-US" sz="1400" baseline="-25000" dirty="0"/>
+              <a:t>i+1</a:t>
+            </a:r>
+          </a:p>
+        </p:txBody>
+      </p:sp>
+      <p:sp>
+        <p:nvSpPr>
+          <p:cNvPr id="27" name="TextBox 26">
+            <a:extLst>
+              <a:ext uri="{FF2B5EF4-FFF2-40B4-BE49-F238E27FC236}">
+                <a16:creationId xmlns:a16="http://schemas.microsoft.com/office/drawing/2014/main" id="{400BCEDF-EEA9-31E2-8B19-514CEB20930E}"/>
+              </a:ext>
+            </a:extLst>
+          </p:cNvPr>
+          <p:cNvSpPr txBox="1"/>
+          <p:nvPr/>
+        </p:nvSpPr>
+        <p:spPr>
+          <a:xfrm>
+            <a:off x="1053738" y="2424354"/>
+            <a:ext cx="492596" cy="307777"/>
+          </a:xfrm>
+          <a:prstGeom prst="rect">
+            <a:avLst/>
+          </a:prstGeom>
+          <a:noFill/>
+          <a:ln>
+            <a:solidFill>
+              <a:schemeClr val="tx2"/>
+            </a:solidFill>
+          </a:ln>
+        </p:spPr>
+        <p:txBody>
+          <a:bodyPr wrap="square" rtlCol="0">
+            <a:spAutoFit/>
+          </a:bodyPr>
+          <a:lstStyle/>
+          <a:p>
+            <a:pPr algn="ctr"/>
+            <a:r>
+              <a:rPr lang="en-US" sz="1400" dirty="0"/>
+              <a:t>T</a:t>
+            </a:r>
+            <a:r>
+              <a:rPr lang="en-US" sz="1400" baseline="-25000" dirty="0"/>
+              <a:t>i+2</a:t>
+            </a:r>
+          </a:p>
+        </p:txBody>
+      </p:sp>
+      <p:sp>
+        <p:nvSpPr>
+          <p:cNvPr id="28" name="TextBox 27">
+            <a:extLst>
+              <a:ext uri="{FF2B5EF4-FFF2-40B4-BE49-F238E27FC236}">
+                <a16:creationId xmlns:a16="http://schemas.microsoft.com/office/drawing/2014/main" id="{022D312A-AE2D-E3FB-4F07-00BD23DD3814}"/>
+              </a:ext>
+            </a:extLst>
+          </p:cNvPr>
+          <p:cNvSpPr txBox="1"/>
+          <p:nvPr/>
+        </p:nvSpPr>
+        <p:spPr>
+          <a:xfrm>
+            <a:off x="2038930" y="2424354"/>
+            <a:ext cx="492596" cy="307777"/>
+          </a:xfrm>
+          <a:prstGeom prst="rect">
+            <a:avLst/>
+          </a:prstGeom>
+          <a:noFill/>
+          <a:ln>
+            <a:solidFill>
+              <a:schemeClr val="tx2"/>
+            </a:solidFill>
+          </a:ln>
+        </p:spPr>
+        <p:txBody>
+          <a:bodyPr wrap="square" rtlCol="0">
+            <a:spAutoFit/>
+          </a:bodyPr>
+          <a:lstStyle/>
+          <a:p>
+            <a:pPr algn="ctr"/>
+            <a:r>
+              <a:rPr lang="en-US" sz="1400" dirty="0"/>
+              <a:t>T</a:t>
+            </a:r>
+            <a:r>
+              <a:rPr lang="en-US" sz="1400" baseline="-25000" dirty="0"/>
+              <a:t>i+4</a:t>
+            </a:r>
+          </a:p>
+        </p:txBody>
+      </p:sp>
+      <p:sp>
+        <p:nvSpPr>
+          <p:cNvPr id="29" name="TextBox 28">
+            <a:extLst>
+              <a:ext uri="{FF2B5EF4-FFF2-40B4-BE49-F238E27FC236}">
+                <a16:creationId xmlns:a16="http://schemas.microsoft.com/office/drawing/2014/main" id="{2A767BA5-F5F1-8C96-6F46-BB78888CAE05}"/>
+              </a:ext>
+            </a:extLst>
+          </p:cNvPr>
+          <p:cNvSpPr txBox="1"/>
+          <p:nvPr/>
+        </p:nvSpPr>
+        <p:spPr>
+          <a:xfrm>
+            <a:off x="2531526" y="2424354"/>
+            <a:ext cx="492596" cy="307777"/>
+          </a:xfrm>
+          <a:prstGeom prst="rect">
+            <a:avLst/>
+          </a:prstGeom>
+          <a:noFill/>
+          <a:ln>
+            <a:solidFill>
+              <a:schemeClr val="tx2"/>
+            </a:solidFill>
+          </a:ln>
+        </p:spPr>
+        <p:txBody>
+          <a:bodyPr wrap="square" rtlCol="0">
+            <a:spAutoFit/>
+          </a:bodyPr>
+          <a:lstStyle/>
+          <a:p>
+            <a:pPr algn="ctr"/>
+            <a:r>
+              <a:rPr lang="en-US" sz="1400" dirty="0"/>
+              <a:t>T</a:t>
+            </a:r>
+            <a:r>
+              <a:rPr lang="en-US" sz="1400" baseline="-25000" dirty="0"/>
+              <a:t>i+5</a:t>
+            </a:r>
+          </a:p>
+        </p:txBody>
+      </p:sp>
+      <p:sp>
+        <p:nvSpPr>
+          <p:cNvPr id="30" name="TextBox 29">
+            <a:extLst>
+              <a:ext uri="{FF2B5EF4-FFF2-40B4-BE49-F238E27FC236}">
+                <a16:creationId xmlns:a16="http://schemas.microsoft.com/office/drawing/2014/main" id="{2A337AF9-4168-9559-38C9-C824F3576A6E}"/>
+              </a:ext>
+            </a:extLst>
+          </p:cNvPr>
+          <p:cNvSpPr txBox="1"/>
+          <p:nvPr/>
+        </p:nvSpPr>
+        <p:spPr>
+          <a:xfrm>
+            <a:off x="2531526" y="2859782"/>
+            <a:ext cx="492596" cy="307777"/>
+          </a:xfrm>
+          <a:prstGeom prst="rect">
+            <a:avLst/>
+          </a:prstGeom>
+          <a:noFill/>
+          <a:ln>
+            <a:solidFill>
+              <a:schemeClr val="tx2"/>
+            </a:solidFill>
+          </a:ln>
+        </p:spPr>
+        <p:txBody>
+          <a:bodyPr wrap="square" rtlCol="0">
+            <a:spAutoFit/>
+          </a:bodyPr>
+          <a:lstStyle/>
+          <a:p>
+            <a:pPr algn="ctr"/>
+            <a:r>
+              <a:rPr lang="en-US" sz="1400" dirty="0"/>
+              <a:t>T</a:t>
+            </a:r>
+            <a:r>
+              <a:rPr lang="en-US" sz="1400" baseline="-25000" dirty="0"/>
+              <a:t>i+5</a:t>
+            </a:r>
+          </a:p>
+        </p:txBody>
+      </p:sp>
+      <p:sp>
+        <p:nvSpPr>
+          <p:cNvPr id="31" name="TextBox 30">
+            <a:extLst>
+              <a:ext uri="{FF2B5EF4-FFF2-40B4-BE49-F238E27FC236}">
+                <a16:creationId xmlns:a16="http://schemas.microsoft.com/office/drawing/2014/main" id="{7F901C7D-B859-13B6-E106-0DB18880B02D}"/>
+              </a:ext>
+            </a:extLst>
+          </p:cNvPr>
+          <p:cNvSpPr txBox="1"/>
+          <p:nvPr/>
+        </p:nvSpPr>
+        <p:spPr>
+          <a:xfrm>
+            <a:off x="3024122" y="2859782"/>
+            <a:ext cx="492596" cy="307777"/>
+          </a:xfrm>
+          <a:prstGeom prst="rect">
+            <a:avLst/>
+          </a:prstGeom>
+          <a:noFill/>
+          <a:ln>
+            <a:solidFill>
+              <a:schemeClr val="tx2"/>
+            </a:solidFill>
+          </a:ln>
+        </p:spPr>
+        <p:txBody>
+          <a:bodyPr wrap="square" rtlCol="0">
+            <a:spAutoFit/>
+          </a:bodyPr>
+          <a:lstStyle/>
+          <a:p>
+            <a:pPr algn="ctr"/>
+            <a:r>
+              <a:rPr lang="en-US" sz="1400" dirty="0"/>
+              <a:t>T</a:t>
+            </a:r>
+            <a:r>
+              <a:rPr lang="en-US" sz="1400" baseline="-25000" dirty="0"/>
+              <a:t>i+6</a:t>
+            </a:r>
+          </a:p>
+        </p:txBody>
+      </p:sp>
+      <p:sp>
+        <p:nvSpPr>
+          <p:cNvPr id="32" name="TextBox 31">
+            <a:extLst>
+              <a:ext uri="{FF2B5EF4-FFF2-40B4-BE49-F238E27FC236}">
+                <a16:creationId xmlns:a16="http://schemas.microsoft.com/office/drawing/2014/main" id="{5A66739C-6964-4570-EF72-3EF83EB416B7}"/>
+              </a:ext>
+            </a:extLst>
+          </p:cNvPr>
+          <p:cNvSpPr txBox="1"/>
+          <p:nvPr/>
+        </p:nvSpPr>
+        <p:spPr>
+          <a:xfrm>
+            <a:off x="4994506" y="2424354"/>
+            <a:ext cx="492596" cy="307777"/>
+          </a:xfrm>
+          <a:prstGeom prst="rect">
+            <a:avLst/>
+          </a:prstGeom>
+          <a:noFill/>
+          <a:ln>
+            <a:solidFill>
+              <a:schemeClr val="tx2"/>
+            </a:solidFill>
+          </a:ln>
+        </p:spPr>
+        <p:txBody>
+          <a:bodyPr wrap="square" rtlCol="0">
+            <a:spAutoFit/>
+          </a:bodyPr>
+          <a:lstStyle/>
+          <a:p>
+            <a:pPr algn="ctr"/>
+            <a:r>
+              <a:rPr lang="en-US" sz="1400" dirty="0"/>
+              <a:t>T</a:t>
+            </a:r>
+            <a:r>
+              <a:rPr lang="en-US" sz="1400" baseline="-25000" dirty="0"/>
+              <a:t>i+10</a:t>
+            </a:r>
+          </a:p>
+        </p:txBody>
+      </p:sp>
+      <p:sp>
+        <p:nvSpPr>
+          <p:cNvPr id="33" name="TextBox 32">
+            <a:extLst>
+              <a:ext uri="{FF2B5EF4-FFF2-40B4-BE49-F238E27FC236}">
+                <a16:creationId xmlns:a16="http://schemas.microsoft.com/office/drawing/2014/main" id="{0E60D0B9-0DB3-23A8-FC2E-923B5EBA28FD}"/>
+              </a:ext>
+            </a:extLst>
+          </p:cNvPr>
+          <p:cNvSpPr txBox="1"/>
+          <p:nvPr/>
+        </p:nvSpPr>
+        <p:spPr>
+          <a:xfrm>
+            <a:off x="5487102" y="2424354"/>
+            <a:ext cx="492596" cy="307777"/>
+          </a:xfrm>
+          <a:prstGeom prst="rect">
+            <a:avLst/>
+          </a:prstGeom>
+          <a:noFill/>
+          <a:ln>
+            <a:solidFill>
+              <a:schemeClr val="tx2"/>
+            </a:solidFill>
+          </a:ln>
+        </p:spPr>
+        <p:txBody>
+          <a:bodyPr wrap="square" rtlCol="0">
+            <a:spAutoFit/>
+          </a:bodyPr>
+          <a:lstStyle/>
+          <a:p>
+            <a:pPr algn="ctr"/>
+            <a:r>
+              <a:rPr lang="en-US" sz="1400" dirty="0"/>
+              <a:t>T</a:t>
+            </a:r>
+            <a:r>
+              <a:rPr lang="en-US" sz="1400" baseline="-25000" dirty="0"/>
+              <a:t>i+11</a:t>
+            </a:r>
+          </a:p>
+        </p:txBody>
+      </p:sp>
+      <p:sp>
+        <p:nvSpPr>
+          <p:cNvPr id="34" name="TextBox 33">
+            <a:extLst>
+              <a:ext uri="{FF2B5EF4-FFF2-40B4-BE49-F238E27FC236}">
+                <a16:creationId xmlns:a16="http://schemas.microsoft.com/office/drawing/2014/main" id="{E4053702-7F3F-7C9D-36B9-13FDB265416D}"/>
+              </a:ext>
+            </a:extLst>
+          </p:cNvPr>
+          <p:cNvSpPr txBox="1"/>
+          <p:nvPr/>
+        </p:nvSpPr>
+        <p:spPr>
+          <a:xfrm>
+            <a:off x="5487102" y="2859782"/>
+            <a:ext cx="492596" cy="307777"/>
+          </a:xfrm>
+          <a:prstGeom prst="rect">
+            <a:avLst/>
+          </a:prstGeom>
+          <a:noFill/>
+          <a:ln>
+            <a:solidFill>
+              <a:schemeClr val="tx2"/>
+            </a:solidFill>
+          </a:ln>
+        </p:spPr>
+        <p:txBody>
+          <a:bodyPr wrap="square" rtlCol="0">
+            <a:spAutoFit/>
+          </a:bodyPr>
+          <a:lstStyle/>
+          <a:p>
+            <a:pPr algn="ctr"/>
+            <a:r>
+              <a:rPr lang="en-US" sz="1400" dirty="0"/>
+              <a:t>T</a:t>
+            </a:r>
+            <a:r>
+              <a:rPr lang="en-US" sz="1400" baseline="-25000" dirty="0"/>
+              <a:t>i+11</a:t>
+            </a:r>
+          </a:p>
+        </p:txBody>
+      </p:sp>
+      <p:sp>
+        <p:nvSpPr>
+          <p:cNvPr id="35" name="TextBox 34">
+            <a:extLst>
+              <a:ext uri="{FF2B5EF4-FFF2-40B4-BE49-F238E27FC236}">
+                <a16:creationId xmlns:a16="http://schemas.microsoft.com/office/drawing/2014/main" id="{7A8DF20F-CB15-8E21-71D2-F3C51FDFF796}"/>
+              </a:ext>
+            </a:extLst>
+          </p:cNvPr>
+          <p:cNvSpPr txBox="1"/>
+          <p:nvPr/>
+        </p:nvSpPr>
+        <p:spPr>
+          <a:xfrm>
+            <a:off x="5979698" y="2859782"/>
+            <a:ext cx="492596" cy="307777"/>
+          </a:xfrm>
+          <a:prstGeom prst="rect">
+            <a:avLst/>
+          </a:prstGeom>
+          <a:noFill/>
+          <a:ln>
+            <a:solidFill>
+              <a:schemeClr val="tx2"/>
+            </a:solidFill>
+          </a:ln>
+        </p:spPr>
+        <p:txBody>
+          <a:bodyPr wrap="square" rtlCol="0">
+            <a:spAutoFit/>
+          </a:bodyPr>
+          <a:lstStyle/>
+          <a:p>
+            <a:pPr algn="ctr"/>
+            <a:r>
+              <a:rPr lang="en-US" sz="1400" dirty="0"/>
+              <a:t>T</a:t>
+            </a:r>
+            <a:r>
+              <a:rPr lang="en-US" sz="1400" baseline="-25000" dirty="0"/>
+              <a:t>i+12</a:t>
+            </a:r>
+          </a:p>
+        </p:txBody>
+      </p:sp>
+    </p:spTree>
+    <p:extLst>
+      <p:ext uri="{BB962C8B-B14F-4D97-AF65-F5344CB8AC3E}">
+        <p14:creationId xmlns:p14="http://schemas.microsoft.com/office/powerpoint/2010/main" val="4131213717"/>
       </p:ext>
     </p:extLst>
   </p:cSld>
